--- a/PPT/개인 연구 overroll.pptx
+++ b/PPT/개인 연구 overroll.pptx
@@ -242,7 +242,7 @@
           <a:p>
             <a:fld id="{D1DA2BEC-7E6F-47A9-9115-3EED439C6DA5}" type="datetimeFigureOut">
               <a:rPr lang="ko-KR" altLang="en-US" smtClean="0"/>
-              <a:t>2023-12-19</a:t>
+              <a:t>2024-01-10</a:t>
             </a:fld>
             <a:endParaRPr lang="ko-KR" altLang="en-US"/>
           </a:p>
@@ -420,7 +420,7 @@
           <a:p>
             <a:fld id="{BF98C93F-AAD7-4410-AA25-972027873478}" type="datetimeFigureOut">
               <a:rPr lang="ko-KR" altLang="en-US" smtClean="0"/>
-              <a:t>2023-12-19</a:t>
+              <a:t>2024-01-10</a:t>
             </a:fld>
             <a:endParaRPr lang="ko-KR" altLang="en-US"/>
           </a:p>
